--- a/presentation.pptx
+++ b/presentation.pptx
@@ -13,7 +13,9 @@
     <p:sldId id="315" r:id="rId10"/>
     <p:sldId id="313" r:id="rId11"/>
     <p:sldId id="316" r:id="rId12"/>
-    <p:sldId id="314" r:id="rId13"/>
+    <p:sldId id="317" r:id="rId13"/>
+    <p:sldId id="314" r:id="rId14"/>
+    <p:sldId id="318" r:id="rId15"/>
   </p:sldIdLst>
   <p:sldSz cx="12192000" cy="6858000"/>
   <p:notesSz cx="6858000" cy="9144000"/>
@@ -124,8 +126,8 @@
 <pc:chgInfo xmlns:a="http://schemas.openxmlformats.org/drawingml/2006/main" xmlns:r="http://schemas.openxmlformats.org/officeDocument/2006/relationships" xmlns:ac="http://schemas.microsoft.com/office/drawing/2013/main/command" xmlns:pc="http://schemas.microsoft.com/office/powerpoint/2013/main/command">
   <pc:docChgLst>
     <pc:chgData name="Christian Shadis" userId="8cfd53f298761ce8" providerId="LiveId" clId="{7C4221B3-C123-4578-B3C2-2BDE55328D7F}"/>
-    <pc:docChg chg="custSel addSld modSld">
-      <pc:chgData name="Christian Shadis" userId="8cfd53f298761ce8" providerId="LiveId" clId="{7C4221B3-C123-4578-B3C2-2BDE55328D7F}" dt="2021-05-08T21:55:09.900" v="462" actId="20577"/>
+    <pc:docChg chg="undo custSel addSld modSld">
+      <pc:chgData name="Christian Shadis" userId="8cfd53f298761ce8" providerId="LiveId" clId="{7C4221B3-C123-4578-B3C2-2BDE55328D7F}" dt="2021-05-13T03:57:44.631" v="987" actId="20577"/>
       <pc:docMkLst>
         <pc:docMk/>
       </pc:docMkLst>
@@ -149,6 +151,52 @@
             <pc:docMk/>
             <pc:sldMk cId="602791607" sldId="316"/>
             <ac:spMk id="3" creationId="{3BEF1E82-5FC4-48D6-9A6B-9FA97672F433}"/>
+          </ac:spMkLst>
+        </pc:spChg>
+      </pc:sldChg>
+      <pc:sldChg chg="modSp new mod">
+        <pc:chgData name="Christian Shadis" userId="8cfd53f298761ce8" providerId="LiveId" clId="{7C4221B3-C123-4578-B3C2-2BDE55328D7F}" dt="2021-05-13T03:57:44.631" v="987" actId="20577"/>
+        <pc:sldMkLst>
+          <pc:docMk/>
+          <pc:sldMk cId="2016391498" sldId="317"/>
+        </pc:sldMkLst>
+        <pc:spChg chg="mod">
+          <ac:chgData name="Christian Shadis" userId="8cfd53f298761ce8" providerId="LiveId" clId="{7C4221B3-C123-4578-B3C2-2BDE55328D7F}" dt="2021-05-13T03:57:44.631" v="987" actId="20577"/>
+          <ac:spMkLst>
+            <pc:docMk/>
+            <pc:sldMk cId="2016391498" sldId="317"/>
+            <ac:spMk id="2" creationId="{540805A8-E6C2-4E23-A6F9-1D7A38911442}"/>
+          </ac:spMkLst>
+        </pc:spChg>
+        <pc:spChg chg="mod">
+          <ac:chgData name="Christian Shadis" userId="8cfd53f298761ce8" providerId="LiveId" clId="{7C4221B3-C123-4578-B3C2-2BDE55328D7F}" dt="2021-05-12T20:10:29.723" v="874" actId="20577"/>
+          <ac:spMkLst>
+            <pc:docMk/>
+            <pc:sldMk cId="2016391498" sldId="317"/>
+            <ac:spMk id="3" creationId="{6D26A316-81B8-48D7-BC59-9AE6463110B1}"/>
+          </ac:spMkLst>
+        </pc:spChg>
+      </pc:sldChg>
+      <pc:sldChg chg="modSp new mod">
+        <pc:chgData name="Christian Shadis" userId="8cfd53f298761ce8" providerId="LiveId" clId="{7C4221B3-C123-4578-B3C2-2BDE55328D7F}" dt="2021-05-12T20:12:36.065" v="980" actId="20577"/>
+        <pc:sldMkLst>
+          <pc:docMk/>
+          <pc:sldMk cId="3316709398" sldId="318"/>
+        </pc:sldMkLst>
+        <pc:spChg chg="mod">
+          <ac:chgData name="Christian Shadis" userId="8cfd53f298761ce8" providerId="LiveId" clId="{7C4221B3-C123-4578-B3C2-2BDE55328D7F}" dt="2021-05-12T20:11:29.301" v="885" actId="20577"/>
+          <ac:spMkLst>
+            <pc:docMk/>
+            <pc:sldMk cId="3316709398" sldId="318"/>
+            <ac:spMk id="2" creationId="{662DB00C-4328-4E42-8250-CC001B9E6218}"/>
+          </ac:spMkLst>
+        </pc:spChg>
+        <pc:spChg chg="mod">
+          <ac:chgData name="Christian Shadis" userId="8cfd53f298761ce8" providerId="LiveId" clId="{7C4221B3-C123-4578-B3C2-2BDE55328D7F}" dt="2021-05-12T20:12:36.065" v="980" actId="20577"/>
+          <ac:spMkLst>
+            <pc:docMk/>
+            <pc:sldMk cId="3316709398" sldId="318"/>
+            <ac:spMk id="3" creationId="{0328EFF1-E51A-4A7A-804E-53F119344F4D}"/>
           </ac:spMkLst>
         </pc:spChg>
       </pc:sldChg>
@@ -3419,7 +3467,7 @@
           <a:p>
             <a:fld id="{EA0C0817-A112-4847-8014-A94B7D2A4EA3}" type="datetime1">
               <a:rPr lang="en-US" smtClean="0"/>
-              <a:t>5/8/2021</a:t>
+              <a:t>5/12/2021</a:t>
             </a:fld>
             <a:endParaRPr lang="en-US" dirty="0"/>
           </a:p>
@@ -3621,7 +3669,7 @@
           <a:p>
             <a:fld id="{7332B432-ACDA-4023-A761-2BAB76577B62}" type="datetime1">
               <a:rPr lang="en-US" smtClean="0"/>
-              <a:t>5/8/2021</a:t>
+              <a:t>5/12/2021</a:t>
             </a:fld>
             <a:endParaRPr lang="en-US" dirty="0"/>
           </a:p>
@@ -4220,7 +4268,7 @@
           <a:p>
             <a:fld id="{D9C646AA-F36E-4540-911D-FFFC0A0EF24A}" type="datetime1">
               <a:rPr lang="en-US" smtClean="0"/>
-              <a:t>5/8/2021</a:t>
+              <a:t>5/12/2021</a:t>
             </a:fld>
             <a:endParaRPr lang="en-US" dirty="0"/>
           </a:p>
@@ -4540,7 +4588,7 @@
           <a:p>
             <a:fld id="{69186D26-FA5F-4637-B602-B7C2DC34CFD4}" type="datetime1">
               <a:rPr lang="en-US" smtClean="0"/>
-              <a:t>5/8/2021</a:t>
+              <a:t>5/12/2021</a:t>
             </a:fld>
             <a:endParaRPr lang="en-US" dirty="0"/>
           </a:p>
@@ -4977,7 +5025,7 @@
           <a:p>
             <a:fld id="{8A7F15D8-96D1-4781-BC50-CA8A088B2FE4}" type="datetime1">
               <a:rPr lang="en-US" smtClean="0"/>
-              <a:t>5/8/2021</a:t>
+              <a:t>5/12/2021</a:t>
             </a:fld>
             <a:endParaRPr lang="en-US" dirty="0"/>
           </a:p>
@@ -5095,7 +5143,7 @@
           <a:p>
             <a:fld id="{F9A96C99-B8F8-4528-BD05-0E16E943DC09}" type="datetime1">
               <a:rPr lang="en-US" smtClean="0"/>
-              <a:t>5/8/2021</a:t>
+              <a:t>5/12/2021</a:t>
             </a:fld>
             <a:endParaRPr lang="en-US" dirty="0"/>
           </a:p>
@@ -5190,7 +5238,7 @@
           <a:p>
             <a:fld id="{03636942-C211-4B28-8DBD-C953E00AF71B}" type="datetime1">
               <a:rPr lang="en-US" smtClean="0"/>
-              <a:t>5/8/2021</a:t>
+              <a:t>5/12/2021</a:t>
             </a:fld>
             <a:endParaRPr lang="en-US" dirty="0"/>
           </a:p>
@@ -5607,7 +5655,7 @@
           <a:p>
             <a:fld id="{7E8D12A6-918A-48BD-8CB9-CA713993B0EA}" type="datetime1">
               <a:rPr lang="en-US" smtClean="0"/>
-              <a:t>5/8/2021</a:t>
+              <a:t>5/12/2021</a:t>
             </a:fld>
             <a:endParaRPr lang="en-US" dirty="0"/>
           </a:p>
@@ -5869,7 +5917,7 @@
             <a:fld id="{E778CE86-875F-4587-BCF6-FA054AFC0D53}" type="datetime1">
               <a:rPr lang="en-US" smtClean="0"/>
               <a:pPr/>
-              <a:t>5/8/2021</a:t>
+              <a:t>5/12/2021</a:t>
             </a:fld>
             <a:endParaRPr lang="en-US" dirty="0"/>
           </a:p>
@@ -6385,7 +6433,7 @@
           <a:p>
             <a:fld id="{F6FA2B21-3FCD-4721-B95C-427943F61125}" type="datetime1">
               <a:rPr lang="en-US" smtClean="0"/>
-              <a:t>5/8/2021</a:t>
+              <a:t>5/12/2021</a:t>
             </a:fld>
             <a:endParaRPr lang="en-US" dirty="0"/>
           </a:p>
@@ -7069,6 +7117,208 @@
 </p:sld>
 </file>
 
+<file path=ppt/slides/slide10.xml><?xml version="1.0" encoding="utf-8"?>
+<p:sld xmlns:a="http://schemas.openxmlformats.org/drawingml/2006/main" xmlns:r="http://schemas.openxmlformats.org/officeDocument/2006/relationships" xmlns:p="http://schemas.openxmlformats.org/presentationml/2006/main">
+  <p:cSld>
+    <p:spTree>
+      <p:nvGrpSpPr>
+        <p:cNvPr id="1" name=""/>
+        <p:cNvGrpSpPr/>
+        <p:nvPr/>
+      </p:nvGrpSpPr>
+      <p:grpSpPr>
+        <a:xfrm>
+          <a:off x="0" y="0"/>
+          <a:ext cx="0" cy="0"/>
+          <a:chOff x="0" y="0"/>
+          <a:chExt cx="0" cy="0"/>
+        </a:xfrm>
+      </p:grpSpPr>
+      <p:sp>
+        <p:nvSpPr>
+          <p:cNvPr id="2" name="Title 1">
+            <a:extLst>
+              <a:ext uri="{FF2B5EF4-FFF2-40B4-BE49-F238E27FC236}">
+                <a16:creationId xmlns:a16="http://schemas.microsoft.com/office/drawing/2014/main" id="{8965E21B-35BC-4A2E-A017-960D3AF78B12}"/>
+              </a:ext>
+            </a:extLst>
+          </p:cNvPr>
+          <p:cNvSpPr>
+            <a:spLocks noGrp="1"/>
+          </p:cNvSpPr>
+          <p:nvPr>
+            <p:ph type="title"/>
+          </p:nvPr>
+        </p:nvSpPr>
+        <p:spPr/>
+        <p:txBody>
+          <a:bodyPr/>
+          <a:lstStyle/>
+          <a:p>
+            <a:r>
+              <a:rPr lang="en-US" dirty="0"/>
+              <a:t>Next Steps</a:t>
+            </a:r>
+          </a:p>
+        </p:txBody>
+      </p:sp>
+      <p:sp>
+        <p:nvSpPr>
+          <p:cNvPr id="3" name="Content Placeholder 2">
+            <a:extLst>
+              <a:ext uri="{FF2B5EF4-FFF2-40B4-BE49-F238E27FC236}">
+                <a16:creationId xmlns:a16="http://schemas.microsoft.com/office/drawing/2014/main" id="{48F2E6C2-BDB0-4C29-84DD-66BB2035D2D4}"/>
+              </a:ext>
+            </a:extLst>
+          </p:cNvPr>
+          <p:cNvSpPr>
+            <a:spLocks noGrp="1"/>
+          </p:cNvSpPr>
+          <p:nvPr>
+            <p:ph idx="1"/>
+          </p:nvPr>
+        </p:nvSpPr>
+        <p:spPr/>
+        <p:txBody>
+          <a:bodyPr/>
+          <a:lstStyle/>
+          <a:p>
+            <a:r>
+              <a:rPr lang="en-US" dirty="0"/>
+              <a:t>Run with higher-res images</a:t>
+            </a:r>
+          </a:p>
+          <a:p>
+            <a:pPr lvl="1"/>
+            <a:r>
+              <a:rPr lang="en-US" dirty="0"/>
+              <a:t>Try with 512x512</a:t>
+            </a:r>
+          </a:p>
+          <a:p>
+            <a:r>
+              <a:rPr lang="en-US" dirty="0"/>
+              <a:t>Run with more augmented image data</a:t>
+            </a:r>
+          </a:p>
+          <a:p>
+            <a:r>
+              <a:rPr lang="en-US" dirty="0"/>
+              <a:t>Shoot for accuracy &gt;70%</a:t>
+            </a:r>
+          </a:p>
+        </p:txBody>
+      </p:sp>
+    </p:spTree>
+    <p:extLst>
+      <p:ext uri="{BB962C8B-B14F-4D97-AF65-F5344CB8AC3E}">
+        <p14:creationId xmlns:p14="http://schemas.microsoft.com/office/powerpoint/2010/main" val="1102378421"/>
+      </p:ext>
+    </p:extLst>
+  </p:cSld>
+  <p:clrMapOvr>
+    <a:masterClrMapping/>
+  </p:clrMapOvr>
+</p:sld>
+</file>
+
+<file path=ppt/slides/slide11.xml><?xml version="1.0" encoding="utf-8"?>
+<p:sld xmlns:a="http://schemas.openxmlformats.org/drawingml/2006/main" xmlns:r="http://schemas.openxmlformats.org/officeDocument/2006/relationships" xmlns:p="http://schemas.openxmlformats.org/presentationml/2006/main">
+  <p:cSld>
+    <p:spTree>
+      <p:nvGrpSpPr>
+        <p:cNvPr id="1" name=""/>
+        <p:cNvGrpSpPr/>
+        <p:nvPr/>
+      </p:nvGrpSpPr>
+      <p:grpSpPr>
+        <a:xfrm>
+          <a:off x="0" y="0"/>
+          <a:ext cx="0" cy="0"/>
+          <a:chOff x="0" y="0"/>
+          <a:chExt cx="0" cy="0"/>
+        </a:xfrm>
+      </p:grpSpPr>
+      <p:sp>
+        <p:nvSpPr>
+          <p:cNvPr id="2" name="Title 1">
+            <a:extLst>
+              <a:ext uri="{FF2B5EF4-FFF2-40B4-BE49-F238E27FC236}">
+                <a16:creationId xmlns:a16="http://schemas.microsoft.com/office/drawing/2014/main" id="{662DB00C-4328-4E42-8250-CC001B9E6218}"/>
+              </a:ext>
+            </a:extLst>
+          </p:cNvPr>
+          <p:cNvSpPr>
+            <a:spLocks noGrp="1"/>
+          </p:cNvSpPr>
+          <p:nvPr>
+            <p:ph type="title"/>
+          </p:nvPr>
+        </p:nvSpPr>
+        <p:spPr/>
+        <p:txBody>
+          <a:bodyPr/>
+          <a:lstStyle/>
+          <a:p>
+            <a:r>
+              <a:rPr lang="en-US" dirty="0"/>
+              <a:t>Thank You!</a:t>
+            </a:r>
+          </a:p>
+        </p:txBody>
+      </p:sp>
+      <p:sp>
+        <p:nvSpPr>
+          <p:cNvPr id="3" name="Content Placeholder 2">
+            <a:extLst>
+              <a:ext uri="{FF2B5EF4-FFF2-40B4-BE49-F238E27FC236}">
+                <a16:creationId xmlns:a16="http://schemas.microsoft.com/office/drawing/2014/main" id="{0328EFF1-E51A-4A7A-804E-53F119344F4D}"/>
+              </a:ext>
+            </a:extLst>
+          </p:cNvPr>
+          <p:cNvSpPr>
+            <a:spLocks noGrp="1"/>
+          </p:cNvSpPr>
+          <p:nvPr>
+            <p:ph idx="1"/>
+          </p:nvPr>
+        </p:nvSpPr>
+        <p:spPr/>
+        <p:txBody>
+          <a:bodyPr/>
+          <a:lstStyle/>
+          <a:p>
+            <a:pPr marL="0" indent="0">
+              <a:buNone/>
+            </a:pPr>
+            <a:r>
+              <a:rPr lang="en-US" dirty="0"/>
+              <a:t>The code for this project is available at github.com/</a:t>
+            </a:r>
+            <a:r>
+              <a:rPr lang="en-US" dirty="0" err="1"/>
+              <a:t>ctshadis</a:t>
+            </a:r>
+            <a:r>
+              <a:rPr lang="en-US" dirty="0"/>
+              <a:t>/cs383-finalproject</a:t>
+            </a:r>
+          </a:p>
+        </p:txBody>
+      </p:sp>
+    </p:spTree>
+    <p:extLst>
+      <p:ext uri="{BB962C8B-B14F-4D97-AF65-F5344CB8AC3E}">
+        <p14:creationId xmlns:p14="http://schemas.microsoft.com/office/powerpoint/2010/main" val="3316709398"/>
+      </p:ext>
+    </p:extLst>
+  </p:cSld>
+  <p:clrMapOvr>
+    <a:masterClrMapping/>
+  </p:clrMapOvr>
+</p:sld>
+</file>
+
 <file path=ppt/slides/slide2.xml><?xml version="1.0" encoding="utf-8"?>
 <p:sld xmlns:a="http://schemas.openxmlformats.org/drawingml/2006/main" xmlns:r="http://schemas.openxmlformats.org/officeDocument/2006/relationships" xmlns:p="http://schemas.openxmlformats.org/presentationml/2006/main">
   <p:cSld>
@@ -8635,7 +8885,7 @@
           <p:cNvPr id="2" name="Title 1">
             <a:extLst>
               <a:ext uri="{FF2B5EF4-FFF2-40B4-BE49-F238E27FC236}">
-                <a16:creationId xmlns:a16="http://schemas.microsoft.com/office/drawing/2014/main" id="{8965E21B-35BC-4A2E-A017-960D3AF78B12}"/>
+                <a16:creationId xmlns:a16="http://schemas.microsoft.com/office/drawing/2014/main" id="{540805A8-E6C2-4E23-A6F9-1D7A38911442}"/>
               </a:ext>
             </a:extLst>
           </p:cNvPr>
@@ -8653,7 +8903,7 @@
           <a:p>
             <a:r>
               <a:rPr lang="en-US" dirty="0"/>
-              <a:t>Next Steps</a:t>
+              <a:t>Some Cloud Computing Stuff I Learned How to Do</a:t>
             </a:r>
           </a:p>
         </p:txBody>
@@ -8663,7 +8913,7 @@
           <p:cNvPr id="3" name="Content Placeholder 2">
             <a:extLst>
               <a:ext uri="{FF2B5EF4-FFF2-40B4-BE49-F238E27FC236}">
-                <a16:creationId xmlns:a16="http://schemas.microsoft.com/office/drawing/2014/main" id="{48F2E6C2-BDB0-4C29-84DD-66BB2035D2D4}"/>
+                <a16:creationId xmlns:a16="http://schemas.microsoft.com/office/drawing/2014/main" id="{6D26A316-81B8-48D7-BC59-9AE6463110B1}"/>
               </a:ext>
             </a:extLst>
           </p:cNvPr>
@@ -8681,26 +8931,33 @@
           <a:p>
             <a:r>
               <a:rPr lang="en-US" dirty="0"/>
-              <a:t>Run with higher-res images</a:t>
-            </a:r>
-          </a:p>
-          <a:p>
-            <a:pPr lvl="1"/>
+              <a:t>Use Bash script to bootstrap EMR cluster</a:t>
+            </a:r>
+          </a:p>
+          <a:p>
             <a:r>
               <a:rPr lang="en-US" dirty="0"/>
-              <a:t>Try with 512x512</a:t>
+              <a:t>Access files from S3 with Python</a:t>
             </a:r>
           </a:p>
           <a:p>
             <a:r>
               <a:rPr lang="en-US" dirty="0"/>
-              <a:t>Run with more augmented image data</a:t>
+              <a:t>Start a remotely-accessible RStudio Server on EMR Cluster</a:t>
             </a:r>
           </a:p>
           <a:p>
             <a:r>
               <a:rPr lang="en-US" dirty="0"/>
-              <a:t>Shoot for accuracy &gt;70%</a:t>
+              <a:t>Attach a </a:t>
+            </a:r>
+            <a:r>
+              <a:rPr lang="en-US" dirty="0" err="1"/>
+              <a:t>Jupyter</a:t>
+            </a:r>
+            <a:r>
+              <a:rPr lang="en-US" dirty="0"/>
+              <a:t> Notebook to an EMR Cluster</a:t>
             </a:r>
           </a:p>
         </p:txBody>
@@ -8708,7 +8965,7 @@
     </p:spTree>
     <p:extLst>
       <p:ext uri="{BB962C8B-B14F-4D97-AF65-F5344CB8AC3E}">
-        <p14:creationId xmlns:p14="http://schemas.microsoft.com/office/powerpoint/2010/main" val="1102378421"/>
+        <p14:creationId xmlns:p14="http://schemas.microsoft.com/office/powerpoint/2010/main" val="2016391498"/>
       </p:ext>
     </p:extLst>
   </p:cSld>
@@ -9081,6 +9338,15 @@
 </file>
 
 <file path=customXml/item1.xml><?xml version="1.0" encoding="utf-8"?>
+<p:properties xmlns:p="http://schemas.microsoft.com/office/2006/metadata/properties" xmlns:xsi="http://www.w3.org/2001/XMLSchema-instance" xmlns:pc="http://schemas.microsoft.com/office/infopath/2007/PartnerControls">
+  <documentManagement>
+    <Status xmlns="71af3243-3dd4-4a8d-8c0d-dd76da1f02a5">Not started</Status>
+    <MediaServiceKeyPoints xmlns="71af3243-3dd4-4a8d-8c0d-dd76da1f02a5" xsi:nil="true"/>
+  </documentManagement>
+</p:properties>
+</file>
+
+<file path=customXml/item2.xml><?xml version="1.0" encoding="utf-8"?>
 <?mso-contentType ?>
 <FormTemplates xmlns="http://schemas.microsoft.com/sharepoint/v3/contenttype/forms">
   <Display>DocumentLibraryForm</Display>
@@ -9089,7 +9355,7 @@
 </FormTemplates>
 </file>
 
-<file path=customXml/item2.xml><?xml version="1.0" encoding="utf-8"?>
+<file path=customXml/item3.xml><?xml version="1.0" encoding="utf-8"?>
 <ct:contentTypeSchema xmlns:ct="http://schemas.microsoft.com/office/2006/metadata/contentType" xmlns:ma="http://schemas.microsoft.com/office/2006/metadata/properties/metaAttributes" ct:_="" ma:_="" ma:contentTypeName="Document" ma:contentTypeID="0x01010079F111ED35F8CC479449609E8A0923A6" ma:contentTypeVersion="12" ma:contentTypeDescription="Create a new document." ma:contentTypeScope="" ma:versionID="a410dd7f93c95333ffa1b60ed6adedd1">
   <xsd:schema xmlns:xsd="http://www.w3.org/2001/XMLSchema" xmlns:xs="http://www.w3.org/2001/XMLSchema" xmlns:p="http://schemas.microsoft.com/office/2006/metadata/properties" xmlns:ns2="71af3243-3dd4-4a8d-8c0d-dd76da1f02a5" xmlns:ns3="16c05727-aa75-4e4a-9b5f-8a80a1165891" targetNamespace="http://schemas.microsoft.com/office/2006/metadata/properties" ma:root="true" ma:fieldsID="a936d9baba76aa3866493feff160faab" ns2:_="" ns3:_="">
     <xsd:import namespace="71af3243-3dd4-4a8d-8c0d-dd76da1f02a5"/>
@@ -9310,16 +9576,17 @@
 </ct:contentTypeSchema>
 </file>
 
-<file path=customXml/item3.xml><?xml version="1.0" encoding="utf-8"?>
-<p:properties xmlns:p="http://schemas.microsoft.com/office/2006/metadata/properties" xmlns:xsi="http://www.w3.org/2001/XMLSchema-instance" xmlns:pc="http://schemas.microsoft.com/office/infopath/2007/PartnerControls">
-  <documentManagement>
-    <Status xmlns="71af3243-3dd4-4a8d-8c0d-dd76da1f02a5">Not started</Status>
-    <MediaServiceKeyPoints xmlns="71af3243-3dd4-4a8d-8c0d-dd76da1f02a5" xsi:nil="true"/>
-  </documentManagement>
-</p:properties>
+<file path=customXml/itemProps1.xml><?xml version="1.0" encoding="utf-8"?>
+<ds:datastoreItem xmlns:ds="http://schemas.openxmlformats.org/officeDocument/2006/customXml" ds:itemID="{52F3B215-496E-4790-A364-7C1C46DEC771}">
+  <ds:schemaRefs>
+    <ds:schemaRef ds:uri="http://schemas.microsoft.com/office/2006/metadata/properties"/>
+    <ds:schemaRef ds:uri="http://schemas.microsoft.com/office/infopath/2007/PartnerControls"/>
+    <ds:schemaRef ds:uri="71af3243-3dd4-4a8d-8c0d-dd76da1f02a5"/>
+  </ds:schemaRefs>
+</ds:datastoreItem>
 </file>
 
-<file path=customXml/itemProps1.xml><?xml version="1.0" encoding="utf-8"?>
+<file path=customXml/itemProps2.xml><?xml version="1.0" encoding="utf-8"?>
 <ds:datastoreItem xmlns:ds="http://schemas.openxmlformats.org/officeDocument/2006/customXml" ds:itemID="{AE2713E1-6312-427E-BFCB-C5A5DA301373}">
   <ds:schemaRefs>
     <ds:schemaRef ds:uri="http://schemas.microsoft.com/sharepoint/v3/contenttype/forms"/>
@@ -9327,7 +9594,7 @@
 </ds:datastoreItem>
 </file>
 
-<file path=customXml/itemProps2.xml><?xml version="1.0" encoding="utf-8"?>
+<file path=customXml/itemProps3.xml><?xml version="1.0" encoding="utf-8"?>
 <ds:datastoreItem xmlns:ds="http://schemas.openxmlformats.org/officeDocument/2006/customXml" ds:itemID="{50DB95DD-0319-4EE5-8C5C-9CEDF75E024B}">
   <ds:schemaRefs>
     <ds:schemaRef ds:uri="http://schemas.microsoft.com/office/2006/metadata/contentType"/>
@@ -9344,14 +9611,4 @@
     <ds:schemaRef ds:uri="http://schemas.microsoft.com/internal/obd"/>
   </ds:schemaRefs>
 </ds:datastoreItem>
-</file>
-
-<file path=customXml/itemProps3.xml><?xml version="1.0" encoding="utf-8"?>
-<ds:datastoreItem xmlns:ds="http://schemas.openxmlformats.org/officeDocument/2006/customXml" ds:itemID="{52F3B215-496E-4790-A364-7C1C46DEC771}">
-  <ds:schemaRefs>
-    <ds:schemaRef ds:uri="http://schemas.microsoft.com/office/2006/metadata/properties"/>
-    <ds:schemaRef ds:uri="http://schemas.microsoft.com/office/infopath/2007/PartnerControls"/>
-    <ds:schemaRef ds:uri="71af3243-3dd4-4a8d-8c0d-dd76da1f02a5"/>
-  </ds:schemaRefs>
-</ds:datastoreItem>
 </file>